--- a/Slides/Ninject/3 - Dependency Injection.pptx
+++ b/Slides/Ninject/3 - Dependency Injection.pptx
@@ -254,7 +254,7 @@
           <a:p>
             <a:fld id="{A254CC92-A4AB-4748-8201-8CC8FC025F54}" type="datetimeFigureOut">
               <a:rPr lang="en-US" smtClean="0"/>
-              <a:t>2/1/2015</a:t>
+              <a:t>2/2/2015</a:t>
             </a:fld>
             <a:endParaRPr lang="en-US"/>
           </a:p>
@@ -424,7 +424,7 @@
           <a:p>
             <a:fld id="{A254CC92-A4AB-4748-8201-8CC8FC025F54}" type="datetimeFigureOut">
               <a:rPr lang="en-US" smtClean="0"/>
-              <a:t>2/1/2015</a:t>
+              <a:t>2/2/2015</a:t>
             </a:fld>
             <a:endParaRPr lang="en-US"/>
           </a:p>
@@ -604,7 +604,7 @@
           <a:p>
             <a:fld id="{A254CC92-A4AB-4748-8201-8CC8FC025F54}" type="datetimeFigureOut">
               <a:rPr lang="en-US" smtClean="0"/>
-              <a:t>2/1/2015</a:t>
+              <a:t>2/2/2015</a:t>
             </a:fld>
             <a:endParaRPr lang="en-US"/>
           </a:p>
@@ -774,7 +774,7 @@
           <a:p>
             <a:fld id="{A254CC92-A4AB-4748-8201-8CC8FC025F54}" type="datetimeFigureOut">
               <a:rPr lang="en-US" smtClean="0"/>
-              <a:t>2/1/2015</a:t>
+              <a:t>2/2/2015</a:t>
             </a:fld>
             <a:endParaRPr lang="en-US"/>
           </a:p>
@@ -1018,7 +1018,7 @@
           <a:p>
             <a:fld id="{A254CC92-A4AB-4748-8201-8CC8FC025F54}" type="datetimeFigureOut">
               <a:rPr lang="en-US" smtClean="0"/>
-              <a:t>2/1/2015</a:t>
+              <a:t>2/2/2015</a:t>
             </a:fld>
             <a:endParaRPr lang="en-US"/>
           </a:p>
@@ -1250,7 +1250,7 @@
           <a:p>
             <a:fld id="{A254CC92-A4AB-4748-8201-8CC8FC025F54}" type="datetimeFigureOut">
               <a:rPr lang="en-US" smtClean="0"/>
-              <a:t>2/1/2015</a:t>
+              <a:t>2/2/2015</a:t>
             </a:fld>
             <a:endParaRPr lang="en-US"/>
           </a:p>
@@ -1617,7 +1617,7 @@
           <a:p>
             <a:fld id="{A254CC92-A4AB-4748-8201-8CC8FC025F54}" type="datetimeFigureOut">
               <a:rPr lang="en-US" smtClean="0"/>
-              <a:t>2/1/2015</a:t>
+              <a:t>2/2/2015</a:t>
             </a:fld>
             <a:endParaRPr lang="en-US"/>
           </a:p>
@@ -1735,7 +1735,7 @@
           <a:p>
             <a:fld id="{A254CC92-A4AB-4748-8201-8CC8FC025F54}" type="datetimeFigureOut">
               <a:rPr lang="en-US" smtClean="0"/>
-              <a:t>2/1/2015</a:t>
+              <a:t>2/2/2015</a:t>
             </a:fld>
             <a:endParaRPr lang="en-US"/>
           </a:p>
@@ -1830,7 +1830,7 @@
           <a:p>
             <a:fld id="{A254CC92-A4AB-4748-8201-8CC8FC025F54}" type="datetimeFigureOut">
               <a:rPr lang="en-US" smtClean="0"/>
-              <a:t>2/1/2015</a:t>
+              <a:t>2/2/2015</a:t>
             </a:fld>
             <a:endParaRPr lang="en-US"/>
           </a:p>
@@ -2107,7 +2107,7 @@
           <a:p>
             <a:fld id="{A254CC92-A4AB-4748-8201-8CC8FC025F54}" type="datetimeFigureOut">
               <a:rPr lang="en-US" smtClean="0"/>
-              <a:t>2/1/2015</a:t>
+              <a:t>2/2/2015</a:t>
             </a:fld>
             <a:endParaRPr lang="en-US"/>
           </a:p>
@@ -2364,7 +2364,7 @@
           <a:p>
             <a:fld id="{A254CC92-A4AB-4748-8201-8CC8FC025F54}" type="datetimeFigureOut">
               <a:rPr lang="en-US" smtClean="0"/>
-              <a:t>2/1/2015</a:t>
+              <a:t>2/2/2015</a:t>
             </a:fld>
             <a:endParaRPr lang="en-US"/>
           </a:p>
@@ -2577,7 +2577,7 @@
           <a:p>
             <a:fld id="{A254CC92-A4AB-4748-8201-8CC8FC025F54}" type="datetimeFigureOut">
               <a:rPr lang="en-US" smtClean="0"/>
-              <a:t>2/1/2015</a:t>
+              <a:t>2/2/2015</a:t>
             </a:fld>
             <a:endParaRPr lang="en-US"/>
           </a:p>
@@ -3039,11 +3039,15 @@
           <a:p>
             <a:r>
               <a:rPr lang="en-US" dirty="0" smtClean="0"/>
-              <a:t>4 – </a:t>
-            </a:r>
-            <a:r>
-              <a:rPr lang="en-US" smtClean="0"/>
-              <a:t>Dependency Inversion</a:t>
+              <a:t>3</a:t>
+            </a:r>
+            <a:r>
+              <a:rPr lang="en-US" dirty="0" smtClean="0"/>
+              <a:t> </a:t>
+            </a:r>
+            <a:r>
+              <a:rPr lang="en-US" dirty="0" smtClean="0"/>
+              <a:t>– Dependency Inversion</a:t>
             </a:r>
             <a:endParaRPr lang="en-US" dirty="0"/>
           </a:p>
